--- a/Secret Santa.pptx
+++ b/Secret Santa.pptx
@@ -113,6 +113,11 @@
       </a:defRPr>
     </a:lvl9pPr>
   </p:defaultTextStyle>
+  <p:extLst>
+    <p:ext uri="{EFAFB233-063F-42B5-8137-9DF3F51BA10A}">
+      <p15:sldGuideLst xmlns:p15="http://schemas.microsoft.com/office/powerpoint/2012/main"/>
+    </p:ext>
+  </p:extLst>
 </p:presentation>
 </file>
 
@@ -198,7 +203,7 @@
           <a:p>
             <a:fld id="{B03A2282-70AD-4E9C-9316-57C988BAB972}" type="datetimeFigureOut">
               <a:rPr lang="en-US" smtClean="0"/>
-              <a:t>11/10/2021</a:t>
+              <a:t>11/11/2021</a:t>
             </a:fld>
             <a:endParaRPr lang="en-US"/>
           </a:p>
@@ -696,7 +701,7 @@
           <a:p>
             <a:fld id="{B270F33F-26C9-471D-A090-FF04A8DCEA45}" type="datetimeFigureOut">
               <a:rPr lang="en-US" smtClean="0"/>
-              <a:t>11/10/2021</a:t>
+              <a:t>11/11/2021</a:t>
             </a:fld>
             <a:endParaRPr lang="en-US"/>
           </a:p>
@@ -894,7 +899,7 @@
           <a:p>
             <a:fld id="{B270F33F-26C9-471D-A090-FF04A8DCEA45}" type="datetimeFigureOut">
               <a:rPr lang="en-US" smtClean="0"/>
-              <a:t>11/10/2021</a:t>
+              <a:t>11/11/2021</a:t>
             </a:fld>
             <a:endParaRPr lang="en-US"/>
           </a:p>
@@ -1102,7 +1107,7 @@
           <a:p>
             <a:fld id="{B270F33F-26C9-471D-A090-FF04A8DCEA45}" type="datetimeFigureOut">
               <a:rPr lang="en-US" smtClean="0"/>
-              <a:t>11/10/2021</a:t>
+              <a:t>11/11/2021</a:t>
             </a:fld>
             <a:endParaRPr lang="en-US"/>
           </a:p>
@@ -1300,7 +1305,7 @@
           <a:p>
             <a:fld id="{B270F33F-26C9-471D-A090-FF04A8DCEA45}" type="datetimeFigureOut">
               <a:rPr lang="en-US" smtClean="0"/>
-              <a:t>11/10/2021</a:t>
+              <a:t>11/11/2021</a:t>
             </a:fld>
             <a:endParaRPr lang="en-US"/>
           </a:p>
@@ -1575,7 +1580,7 @@
           <a:p>
             <a:fld id="{B270F33F-26C9-471D-A090-FF04A8DCEA45}" type="datetimeFigureOut">
               <a:rPr lang="en-US" smtClean="0"/>
-              <a:t>11/10/2021</a:t>
+              <a:t>11/11/2021</a:t>
             </a:fld>
             <a:endParaRPr lang="en-US"/>
           </a:p>
@@ -1840,7 +1845,7 @@
           <a:p>
             <a:fld id="{B270F33F-26C9-471D-A090-FF04A8DCEA45}" type="datetimeFigureOut">
               <a:rPr lang="en-US" smtClean="0"/>
-              <a:t>11/10/2021</a:t>
+              <a:t>11/11/2021</a:t>
             </a:fld>
             <a:endParaRPr lang="en-US"/>
           </a:p>
@@ -2252,7 +2257,7 @@
           <a:p>
             <a:fld id="{B270F33F-26C9-471D-A090-FF04A8DCEA45}" type="datetimeFigureOut">
               <a:rPr lang="en-US" smtClean="0"/>
-              <a:t>11/10/2021</a:t>
+              <a:t>11/11/2021</a:t>
             </a:fld>
             <a:endParaRPr lang="en-US"/>
           </a:p>
@@ -2393,7 +2398,7 @@
           <a:p>
             <a:fld id="{B270F33F-26C9-471D-A090-FF04A8DCEA45}" type="datetimeFigureOut">
               <a:rPr lang="en-US" smtClean="0"/>
-              <a:t>11/10/2021</a:t>
+              <a:t>11/11/2021</a:t>
             </a:fld>
             <a:endParaRPr lang="en-US"/>
           </a:p>
@@ -2506,7 +2511,7 @@
           <a:p>
             <a:fld id="{B270F33F-26C9-471D-A090-FF04A8DCEA45}" type="datetimeFigureOut">
               <a:rPr lang="en-US" smtClean="0"/>
-              <a:t>11/10/2021</a:t>
+              <a:t>11/11/2021</a:t>
             </a:fld>
             <a:endParaRPr lang="en-US"/>
           </a:p>
@@ -2817,7 +2822,7 @@
           <a:p>
             <a:fld id="{B270F33F-26C9-471D-A090-FF04A8DCEA45}" type="datetimeFigureOut">
               <a:rPr lang="en-US" smtClean="0"/>
-              <a:t>11/10/2021</a:t>
+              <a:t>11/11/2021</a:t>
             </a:fld>
             <a:endParaRPr lang="en-US"/>
           </a:p>
@@ -3105,7 +3110,7 @@
           <a:p>
             <a:fld id="{B270F33F-26C9-471D-A090-FF04A8DCEA45}" type="datetimeFigureOut">
               <a:rPr lang="en-US" smtClean="0"/>
-              <a:t>11/10/2021</a:t>
+              <a:t>11/11/2021</a:t>
             </a:fld>
             <a:endParaRPr lang="en-US"/>
           </a:p>
@@ -3346,7 +3351,7 @@
           <a:p>
             <a:fld id="{B270F33F-26C9-471D-A090-FF04A8DCEA45}" type="datetimeFigureOut">
               <a:rPr lang="en-US" smtClean="0"/>
-              <a:t>11/10/2021</a:t>
+              <a:t>11/11/2021</a:t>
             </a:fld>
             <a:endParaRPr lang="en-US"/>
           </a:p>
@@ -5163,8 +5168,8 @@
         </p:nvSpPr>
         <p:spPr>
           <a:xfrm>
-            <a:off x="1026110" y="1498630"/>
-            <a:ext cx="4603812" cy="5159622"/>
+            <a:off x="1026110" y="1498629"/>
+            <a:ext cx="4603812" cy="4633229"/>
           </a:xfrm>
           <a:prstGeom prst="rect">
             <a:avLst/>
@@ -5172,7 +5177,7 @@
         </p:spPr>
         <p:txBody>
           <a:bodyPr vert="horz" lIns="91440" tIns="45720" rIns="91440" bIns="45720" rtlCol="0">
-            <a:normAutofit fontScale="92500" lnSpcReduction="20000"/>
+            <a:normAutofit fontScale="92500" lnSpcReduction="10000"/>
           </a:bodyPr>
           <a:lstStyle>
             <a:lvl1pPr marL="228600" indent="-228600" algn="l" defTabSz="914400" rtl="0" eaLnBrk="1" latinLnBrk="0" hangingPunct="1">
@@ -5473,25 +5478,7 @@
               <a:rPr lang="en-US" sz="1800" dirty="0" err="1"/>
               <a:t>LottieFiles</a:t>
             </a:r>
-            <a:endParaRPr lang="en-US" sz="1800" dirty="0"/>
-          </a:p>
-          <a:p>
-            <a:r>
-              <a:rPr lang="en-US" sz="2000" dirty="0"/>
-              <a:t>Breakdown of tasks and roles</a:t>
-            </a:r>
-          </a:p>
-          <a:p>
-            <a:r>
-              <a:rPr lang="en-US" sz="2000" dirty="0"/>
-              <a:t>Challenges</a:t>
-            </a:r>
-          </a:p>
-          <a:p>
-            <a:r>
-              <a:rPr lang="en-US" sz="2000" dirty="0"/>
-              <a:t>Successes</a:t>
-            </a:r>
+            <a:endParaRPr lang="en-US" sz="2000" dirty="0"/>
           </a:p>
         </p:txBody>
       </p:sp>
